--- a/06/slides.pptx
+++ b/06/slides.pptx
@@ -5,10 +5,10 @@
     <p:sldMasterId id="2147483648" r:id="rId1"/>
   </p:sldMasterIdLst>
   <p:notesMasterIdLst>
-    <p:notesMasterId r:id="rId13"/>
+    <p:notesMasterId r:id="rId14"/>
   </p:notesMasterIdLst>
   <p:handoutMasterIdLst>
-    <p:handoutMasterId r:id="rId14"/>
+    <p:handoutMasterId r:id="rId15"/>
   </p:handoutMasterIdLst>
   <p:sldIdLst>
     <p:sldId id="256" r:id="rId3"/>
@@ -21,6 +21,7 @@
     <p:sldId id="262" r:id="rId10"/>
     <p:sldId id="263" r:id="rId11"/>
     <p:sldId id="264" r:id="rId12"/>
+    <p:sldId id="270" r:id="rId13"/>
   </p:sldIdLst>
   <p:sldSz cx="12192000" cy="6858000"/>
   <p:notesSz cx="7103745" cy="10234295"/>
@@ -5085,6 +5086,82 @@
 </p:sld>
 </file>
 
+<file path=ppt/slides/slide11.xml><?xml version="1.0" encoding="utf-8"?>
+<p:sld xmlns:a="http://schemas.openxmlformats.org/drawingml/2006/main" xmlns:r="http://schemas.openxmlformats.org/officeDocument/2006/relationships" xmlns:p="http://schemas.openxmlformats.org/presentationml/2006/main">
+  <p:cSld>
+    <p:spTree>
+      <p:nvGrpSpPr>
+        <p:cNvPr id="1" name=""/>
+        <p:cNvGrpSpPr/>
+        <p:nvPr/>
+      </p:nvGrpSpPr>
+      <p:grpSpPr/>
+      <p:sp>
+        <p:nvSpPr>
+          <p:cNvPr id="2" name="Title 1"/>
+          <p:cNvSpPr>
+            <a:spLocks noGrp="1"/>
+          </p:cNvSpPr>
+          <p:nvPr>
+            <p:ph type="title"/>
+          </p:nvPr>
+        </p:nvSpPr>
+        <p:spPr/>
+        <p:txBody>
+          <a:bodyPr/>
+          <a:p>
+            <a:r>
+              <a:rPr lang="zh-CN" altLang="en-US"/>
+              <a:t>案例：</a:t>
+            </a:r>
+            <a:endParaRPr lang="zh-CN" altLang="en-US"/>
+          </a:p>
+        </p:txBody>
+      </p:sp>
+      <p:sp>
+        <p:nvSpPr>
+          <p:cNvPr id="3" name="Content Placeholder 2"/>
+          <p:cNvSpPr>
+            <a:spLocks noGrp="1"/>
+          </p:cNvSpPr>
+          <p:nvPr>
+            <p:ph sz="half" idx="1"/>
+          </p:nvPr>
+        </p:nvSpPr>
+        <p:spPr/>
+        <p:txBody>
+          <a:bodyPr/>
+          <a:p>
+            <a:endParaRPr lang="en-US"/>
+          </a:p>
+        </p:txBody>
+      </p:sp>
+      <p:sp>
+        <p:nvSpPr>
+          <p:cNvPr id="4" name="Content Placeholder 3"/>
+          <p:cNvSpPr>
+            <a:spLocks noGrp="1"/>
+          </p:cNvSpPr>
+          <p:nvPr>
+            <p:ph sz="half" idx="2"/>
+          </p:nvPr>
+        </p:nvSpPr>
+        <p:spPr/>
+        <p:txBody>
+          <a:bodyPr/>
+          <a:p>
+            <a:endParaRPr lang="en-US"/>
+          </a:p>
+        </p:txBody>
+      </p:sp>
+    </p:spTree>
+  </p:cSld>
+  <p:clrMapOvr>
+    <a:masterClrMapping/>
+  </p:clrMapOvr>
+</p:sld>
+</file>
+
 <file path=ppt/slides/slide2.xml><?xml version="1.0" encoding="utf-8"?>
 <p:sld xmlns:a="http://schemas.openxmlformats.org/drawingml/2006/main" xmlns:r="http://schemas.openxmlformats.org/officeDocument/2006/relationships" xmlns:p="http://schemas.openxmlformats.org/presentationml/2006/main">
   <p:cSld>
@@ -6699,7 +6776,7 @@
             </a:r>
             <a:r>
               <a:rPr lang="en-US" altLang="zh-CN"/>
-              <a:t>1</a:t>
+              <a:t>0</a:t>
             </a:r>
             <a:r>
               <a:rPr lang="zh-CN" altLang="en-US"/>
@@ -7574,7 +7651,7 @@
             </a:r>
             <a:r>
               <a:rPr lang="zh-CN" altLang="en-US"/>
-              <a:t>核心数量，让操作系统保证各个核心始终饱和</a:t>
+              <a:t>核心数量，让系统调度保证各个核心始终饱和</a:t>
             </a:r>
             <a:endParaRPr lang="zh-CN" altLang="en-US"/>
           </a:p>
